--- a/Học Woo và Elementor toàn tập 22-10-2024.pptx
+++ b/Học Woo và Elementor toàn tập 22-10-2024.pptx
@@ -7,22 +7,14 @@
   <p:sldIdLst>
     <p:sldId id="256" r:id="rId2"/>
     <p:sldId id="271" r:id="rId3"/>
-    <p:sldId id="272" r:id="rId4"/>
-    <p:sldId id="273" r:id="rId5"/>
-    <p:sldId id="257" r:id="rId6"/>
-    <p:sldId id="258" r:id="rId7"/>
-    <p:sldId id="259" r:id="rId8"/>
-    <p:sldId id="260" r:id="rId9"/>
-    <p:sldId id="261" r:id="rId10"/>
-    <p:sldId id="262" r:id="rId11"/>
-    <p:sldId id="263" r:id="rId12"/>
-    <p:sldId id="264" r:id="rId13"/>
-    <p:sldId id="266" r:id="rId14"/>
-    <p:sldId id="267" r:id="rId15"/>
-    <p:sldId id="268" r:id="rId16"/>
-    <p:sldId id="269" r:id="rId17"/>
-    <p:sldId id="270" r:id="rId18"/>
-    <p:sldId id="265" r:id="rId19"/>
+    <p:sldId id="257" r:id="rId4"/>
+    <p:sldId id="258" r:id="rId5"/>
+    <p:sldId id="259" r:id="rId6"/>
+    <p:sldId id="260" r:id="rId7"/>
+    <p:sldId id="261" r:id="rId8"/>
+    <p:sldId id="262" r:id="rId9"/>
+    <p:sldId id="263" r:id="rId10"/>
+    <p:sldId id="264" r:id="rId11"/>
   </p:sldIdLst>
   <p:sldSz cx="12192000" cy="6858000"/>
   <p:notesSz cx="6858000" cy="9144000"/>
@@ -276,7 +268,7 @@
           <a:p>
             <a:fld id="{3FEF4788-5363-4BB6-AB51-8B6481CAC0AC}" type="datetimeFigureOut">
               <a:rPr lang="en-US" smtClean="0"/>
-              <a:t>22/10/2024</a:t>
+              <a:t>19/12/2024</a:t>
             </a:fld>
             <a:endParaRPr lang="en-US"/>
           </a:p>
@@ -474,7 +466,7 @@
           <a:p>
             <a:fld id="{3FEF4788-5363-4BB6-AB51-8B6481CAC0AC}" type="datetimeFigureOut">
               <a:rPr lang="en-US" smtClean="0"/>
-              <a:t>22/10/2024</a:t>
+              <a:t>19/12/2024</a:t>
             </a:fld>
             <a:endParaRPr lang="en-US"/>
           </a:p>
@@ -682,7 +674,7 @@
           <a:p>
             <a:fld id="{3FEF4788-5363-4BB6-AB51-8B6481CAC0AC}" type="datetimeFigureOut">
               <a:rPr lang="en-US" smtClean="0"/>
-              <a:t>22/10/2024</a:t>
+              <a:t>19/12/2024</a:t>
             </a:fld>
             <a:endParaRPr lang="en-US"/>
           </a:p>
@@ -880,7 +872,7 @@
           <a:p>
             <a:fld id="{3FEF4788-5363-4BB6-AB51-8B6481CAC0AC}" type="datetimeFigureOut">
               <a:rPr lang="en-US" smtClean="0"/>
-              <a:t>22/10/2024</a:t>
+              <a:t>19/12/2024</a:t>
             </a:fld>
             <a:endParaRPr lang="en-US"/>
           </a:p>
@@ -1155,7 +1147,7 @@
           <a:p>
             <a:fld id="{3FEF4788-5363-4BB6-AB51-8B6481CAC0AC}" type="datetimeFigureOut">
               <a:rPr lang="en-US" smtClean="0"/>
-              <a:t>22/10/2024</a:t>
+              <a:t>19/12/2024</a:t>
             </a:fld>
             <a:endParaRPr lang="en-US"/>
           </a:p>
@@ -1420,7 +1412,7 @@
           <a:p>
             <a:fld id="{3FEF4788-5363-4BB6-AB51-8B6481CAC0AC}" type="datetimeFigureOut">
               <a:rPr lang="en-US" smtClean="0"/>
-              <a:t>22/10/2024</a:t>
+              <a:t>19/12/2024</a:t>
             </a:fld>
             <a:endParaRPr lang="en-US"/>
           </a:p>
@@ -1832,7 +1824,7 @@
           <a:p>
             <a:fld id="{3FEF4788-5363-4BB6-AB51-8B6481CAC0AC}" type="datetimeFigureOut">
               <a:rPr lang="en-US" smtClean="0"/>
-              <a:t>22/10/2024</a:t>
+              <a:t>19/12/2024</a:t>
             </a:fld>
             <a:endParaRPr lang="en-US"/>
           </a:p>
@@ -1973,7 +1965,7 @@
           <a:p>
             <a:fld id="{3FEF4788-5363-4BB6-AB51-8B6481CAC0AC}" type="datetimeFigureOut">
               <a:rPr lang="en-US" smtClean="0"/>
-              <a:t>22/10/2024</a:t>
+              <a:t>19/12/2024</a:t>
             </a:fld>
             <a:endParaRPr lang="en-US"/>
           </a:p>
@@ -2086,7 +2078,7 @@
           <a:p>
             <a:fld id="{3FEF4788-5363-4BB6-AB51-8B6481CAC0AC}" type="datetimeFigureOut">
               <a:rPr lang="en-US" smtClean="0"/>
-              <a:t>22/10/2024</a:t>
+              <a:t>19/12/2024</a:t>
             </a:fld>
             <a:endParaRPr lang="en-US"/>
           </a:p>
@@ -2397,7 +2389,7 @@
           <a:p>
             <a:fld id="{3FEF4788-5363-4BB6-AB51-8B6481CAC0AC}" type="datetimeFigureOut">
               <a:rPr lang="en-US" smtClean="0"/>
-              <a:t>22/10/2024</a:t>
+              <a:t>19/12/2024</a:t>
             </a:fld>
             <a:endParaRPr lang="en-US"/>
           </a:p>
@@ -2685,7 +2677,7 @@
           <a:p>
             <a:fld id="{3FEF4788-5363-4BB6-AB51-8B6481CAC0AC}" type="datetimeFigureOut">
               <a:rPr lang="en-US" smtClean="0"/>
-              <a:t>22/10/2024</a:t>
+              <a:t>19/12/2024</a:t>
             </a:fld>
             <a:endParaRPr lang="en-US"/>
           </a:p>
@@ -2926,7 +2918,7 @@
           <a:p>
             <a:fld id="{3FEF4788-5363-4BB6-AB51-8B6481CAC0AC}" type="datetimeFigureOut">
               <a:rPr lang="en-US" smtClean="0"/>
-              <a:t>22/10/2024</a:t>
+              <a:t>19/12/2024</a:t>
             </a:fld>
             <a:endParaRPr lang="en-US"/>
           </a:p>
@@ -3472,191 +3464,6 @@
           <p:cNvPr id="4" name="Picture 3">
             <a:extLst>
               <a:ext uri="{FF2B5EF4-FFF2-40B4-BE49-F238E27FC236}">
-                <a16:creationId xmlns:a16="http://schemas.microsoft.com/office/drawing/2014/main" id="{B1429848-A603-45EF-9106-4531F328106B}"/>
-              </a:ext>
-            </a:extLst>
-          </p:cNvPr>
-          <p:cNvPicPr>
-            <a:picLocks noChangeAspect="1"/>
-          </p:cNvPicPr>
-          <p:nvPr/>
-        </p:nvPicPr>
-        <p:blipFill>
-          <a:blip r:embed="rId2"/>
-          <a:stretch>
-            <a:fillRect/>
-          </a:stretch>
-        </p:blipFill>
-        <p:spPr>
-          <a:xfrm>
-            <a:off x="184646" y="513261"/>
-            <a:ext cx="6354062" cy="905001"/>
-          </a:xfrm>
-          <a:prstGeom prst="rect">
-            <a:avLst/>
-          </a:prstGeom>
-        </p:spPr>
-      </p:pic>
-      <p:pic>
-        <p:nvPicPr>
-          <p:cNvPr id="5" name="Picture 4">
-            <a:extLst>
-              <a:ext uri="{FF2B5EF4-FFF2-40B4-BE49-F238E27FC236}">
-                <a16:creationId xmlns:a16="http://schemas.microsoft.com/office/drawing/2014/main" id="{EBC43910-0222-44D0-A2D4-095A6F1A8DEF}"/>
-              </a:ext>
-            </a:extLst>
-          </p:cNvPr>
-          <p:cNvPicPr>
-            <a:picLocks noChangeAspect="1"/>
-          </p:cNvPicPr>
-          <p:nvPr/>
-        </p:nvPicPr>
-        <p:blipFill>
-          <a:blip r:embed="rId3"/>
-          <a:stretch>
-            <a:fillRect/>
-          </a:stretch>
-        </p:blipFill>
-        <p:spPr>
-          <a:xfrm>
-            <a:off x="279876" y="1791431"/>
-            <a:ext cx="6258831" cy="771633"/>
-          </a:xfrm>
-          <a:prstGeom prst="rect">
-            <a:avLst/>
-          </a:prstGeom>
-        </p:spPr>
-      </p:pic>
-    </p:spTree>
-    <p:extLst>
-      <p:ext uri="{BB962C8B-B14F-4D97-AF65-F5344CB8AC3E}">
-        <p14:creationId xmlns:p14="http://schemas.microsoft.com/office/powerpoint/2010/main" val="3349409317"/>
-      </p:ext>
-    </p:extLst>
-  </p:cSld>
-  <p:clrMapOvr>
-    <a:masterClrMapping/>
-  </p:clrMapOvr>
-</p:sld>
-</file>
-
-<file path=ppt/slides/slide11.xml><?xml version="1.0" encoding="utf-8"?>
-<p:sld xmlns:a="http://schemas.openxmlformats.org/drawingml/2006/main" xmlns:r="http://schemas.openxmlformats.org/officeDocument/2006/relationships" xmlns:p="http://schemas.openxmlformats.org/presentationml/2006/main">
-  <p:cSld>
-    <p:spTree>
-      <p:nvGrpSpPr>
-        <p:cNvPr id="1" name=""/>
-        <p:cNvGrpSpPr/>
-        <p:nvPr/>
-      </p:nvGrpSpPr>
-      <p:grpSpPr>
-        <a:xfrm>
-          <a:off x="0" y="0"/>
-          <a:ext cx="0" cy="0"/>
-          <a:chOff x="0" y="0"/>
-          <a:chExt cx="0" cy="0"/>
-        </a:xfrm>
-      </p:grpSpPr>
-      <p:sp>
-        <p:nvSpPr>
-          <p:cNvPr id="2" name="Title 1">
-            <a:extLst>
-              <a:ext uri="{FF2B5EF4-FFF2-40B4-BE49-F238E27FC236}">
-                <a16:creationId xmlns:a16="http://schemas.microsoft.com/office/drawing/2014/main" id="{88B3C950-2D1C-4BC6-B967-DDA48140026E}"/>
-              </a:ext>
-            </a:extLst>
-          </p:cNvPr>
-          <p:cNvSpPr>
-            <a:spLocks noGrp="1"/>
-          </p:cNvSpPr>
-          <p:nvPr>
-            <p:ph type="title"/>
-          </p:nvPr>
-        </p:nvSpPr>
-        <p:spPr>
-          <a:xfrm>
-            <a:off x="150920" y="365125"/>
-            <a:ext cx="11202880" cy="1325563"/>
-          </a:xfrm>
-        </p:spPr>
-        <p:txBody>
-          <a:bodyPr/>
-          <a:lstStyle/>
-          <a:p>
-            <a:r>
-              <a:rPr lang="en-US"/>
-              <a:t>Điều cuối cùng cần hiểu về nhà cung cấp thanh toán</a:t>
-            </a:r>
-          </a:p>
-        </p:txBody>
-      </p:sp>
-      <p:pic>
-        <p:nvPicPr>
-          <p:cNvPr id="4" name="Content Placeholder 3">
-            <a:extLst>
-              <a:ext uri="{FF2B5EF4-FFF2-40B4-BE49-F238E27FC236}">
-                <a16:creationId xmlns:a16="http://schemas.microsoft.com/office/drawing/2014/main" id="{E6D744E1-E59D-4D1E-8842-A720006B2A24}"/>
-              </a:ext>
-            </a:extLst>
-          </p:cNvPr>
-          <p:cNvPicPr>
-            <a:picLocks noGrp="1" noChangeAspect="1"/>
-          </p:cNvPicPr>
-          <p:nvPr>
-            <p:ph idx="1"/>
-          </p:nvPr>
-        </p:nvPicPr>
-        <p:blipFill>
-          <a:blip r:embed="rId2"/>
-          <a:stretch>
-            <a:fillRect/>
-          </a:stretch>
-        </p:blipFill>
-        <p:spPr>
-          <a:xfrm>
-            <a:off x="446887" y="1874157"/>
-            <a:ext cx="5649113" cy="809738"/>
-          </a:xfrm>
-          <a:prstGeom prst="rect">
-            <a:avLst/>
-          </a:prstGeom>
-        </p:spPr>
-      </p:pic>
-    </p:spTree>
-    <p:extLst>
-      <p:ext uri="{BB962C8B-B14F-4D97-AF65-F5344CB8AC3E}">
-        <p14:creationId xmlns:p14="http://schemas.microsoft.com/office/powerpoint/2010/main" val="846618686"/>
-      </p:ext>
-    </p:extLst>
-  </p:cSld>
-  <p:clrMapOvr>
-    <a:masterClrMapping/>
-  </p:clrMapOvr>
-</p:sld>
-</file>
-
-<file path=ppt/slides/slide12.xml><?xml version="1.0" encoding="utf-8"?>
-<p:sld xmlns:a="http://schemas.openxmlformats.org/drawingml/2006/main" xmlns:r="http://schemas.openxmlformats.org/officeDocument/2006/relationships" xmlns:p="http://schemas.openxmlformats.org/presentationml/2006/main">
-  <p:cSld>
-    <p:spTree>
-      <p:nvGrpSpPr>
-        <p:cNvPr id="1" name=""/>
-        <p:cNvGrpSpPr/>
-        <p:nvPr/>
-      </p:nvGrpSpPr>
-      <p:grpSpPr>
-        <a:xfrm>
-          <a:off x="0" y="0"/>
-          <a:ext cx="0" cy="0"/>
-          <a:chOff x="0" y="0"/>
-          <a:chExt cx="0" cy="0"/>
-        </a:xfrm>
-      </p:grpSpPr>
-      <p:pic>
-        <p:nvPicPr>
-          <p:cNvPr id="4" name="Picture 3">
-            <a:extLst>
-              <a:ext uri="{FF2B5EF4-FFF2-40B4-BE49-F238E27FC236}">
                 <a16:creationId xmlns:a16="http://schemas.microsoft.com/office/drawing/2014/main" id="{A260EB75-755C-481D-81EA-0C88D2B9A5C0}"/>
               </a:ext>
             </a:extLst>
@@ -3774,486 +3581,6 @@
     <p:extLst>
       <p:ext uri="{BB962C8B-B14F-4D97-AF65-F5344CB8AC3E}">
         <p14:creationId xmlns:p14="http://schemas.microsoft.com/office/powerpoint/2010/main" val="3635299186"/>
-      </p:ext>
-    </p:extLst>
-  </p:cSld>
-  <p:clrMapOvr>
-    <a:masterClrMapping/>
-  </p:clrMapOvr>
-</p:sld>
-</file>
-
-<file path=ppt/slides/slide13.xml><?xml version="1.0" encoding="utf-8"?>
-<p:sld xmlns:a="http://schemas.openxmlformats.org/drawingml/2006/main" xmlns:r="http://schemas.openxmlformats.org/officeDocument/2006/relationships" xmlns:p="http://schemas.openxmlformats.org/presentationml/2006/main">
-  <p:cSld>
-    <p:spTree>
-      <p:nvGrpSpPr>
-        <p:cNvPr id="1" name=""/>
-        <p:cNvGrpSpPr/>
-        <p:nvPr/>
-      </p:nvGrpSpPr>
-      <p:grpSpPr>
-        <a:xfrm>
-          <a:off x="0" y="0"/>
-          <a:ext cx="0" cy="0"/>
-          <a:chOff x="0" y="0"/>
-          <a:chExt cx="0" cy="0"/>
-        </a:xfrm>
-      </p:grpSpPr>
-      <p:sp>
-        <p:nvSpPr>
-          <p:cNvPr id="2" name="Title 1">
-            <a:extLst>
-              <a:ext uri="{FF2B5EF4-FFF2-40B4-BE49-F238E27FC236}">
-                <a16:creationId xmlns:a16="http://schemas.microsoft.com/office/drawing/2014/main" id="{793E026B-4F20-41F0-912A-26F55ED7E36E}"/>
-              </a:ext>
-            </a:extLst>
-          </p:cNvPr>
-          <p:cNvSpPr>
-            <a:spLocks noGrp="1"/>
-          </p:cNvSpPr>
-          <p:nvPr>
-            <p:ph type="title"/>
-          </p:nvPr>
-        </p:nvSpPr>
-        <p:spPr/>
-        <p:txBody>
-          <a:bodyPr/>
-          <a:lstStyle/>
-          <a:p>
-            <a:endParaRPr lang="en-US"/>
-          </a:p>
-        </p:txBody>
-      </p:sp>
-      <p:sp>
-        <p:nvSpPr>
-          <p:cNvPr id="3" name="Content Placeholder 2">
-            <a:extLst>
-              <a:ext uri="{FF2B5EF4-FFF2-40B4-BE49-F238E27FC236}">
-                <a16:creationId xmlns:a16="http://schemas.microsoft.com/office/drawing/2014/main" id="{2D47FD05-AA5D-4FB3-A33F-BA3BEF83B76A}"/>
-              </a:ext>
-            </a:extLst>
-          </p:cNvPr>
-          <p:cNvSpPr>
-            <a:spLocks noGrp="1"/>
-          </p:cNvSpPr>
-          <p:nvPr>
-            <p:ph idx="1"/>
-          </p:nvPr>
-        </p:nvSpPr>
-        <p:spPr/>
-        <p:txBody>
-          <a:bodyPr/>
-          <a:lstStyle/>
-          <a:p>
-            <a:endParaRPr lang="en-US"/>
-          </a:p>
-        </p:txBody>
-      </p:sp>
-    </p:spTree>
-    <p:extLst>
-      <p:ext uri="{BB962C8B-B14F-4D97-AF65-F5344CB8AC3E}">
-        <p14:creationId xmlns:p14="http://schemas.microsoft.com/office/powerpoint/2010/main" val="365074743"/>
-      </p:ext>
-    </p:extLst>
-  </p:cSld>
-  <p:clrMapOvr>
-    <a:masterClrMapping/>
-  </p:clrMapOvr>
-</p:sld>
-</file>
-
-<file path=ppt/slides/slide14.xml><?xml version="1.0" encoding="utf-8"?>
-<p:sld xmlns:a="http://schemas.openxmlformats.org/drawingml/2006/main" xmlns:r="http://schemas.openxmlformats.org/officeDocument/2006/relationships" xmlns:p="http://schemas.openxmlformats.org/presentationml/2006/main">
-  <p:cSld>
-    <p:spTree>
-      <p:nvGrpSpPr>
-        <p:cNvPr id="1" name=""/>
-        <p:cNvGrpSpPr/>
-        <p:nvPr/>
-      </p:nvGrpSpPr>
-      <p:grpSpPr>
-        <a:xfrm>
-          <a:off x="0" y="0"/>
-          <a:ext cx="0" cy="0"/>
-          <a:chOff x="0" y="0"/>
-          <a:chExt cx="0" cy="0"/>
-        </a:xfrm>
-      </p:grpSpPr>
-      <p:sp>
-        <p:nvSpPr>
-          <p:cNvPr id="2" name="Title 1">
-            <a:extLst>
-              <a:ext uri="{FF2B5EF4-FFF2-40B4-BE49-F238E27FC236}">
-                <a16:creationId xmlns:a16="http://schemas.microsoft.com/office/drawing/2014/main" id="{1C2E71CD-A164-4704-9E5D-2FF72574D0F1}"/>
-              </a:ext>
-            </a:extLst>
-          </p:cNvPr>
-          <p:cNvSpPr>
-            <a:spLocks noGrp="1"/>
-          </p:cNvSpPr>
-          <p:nvPr>
-            <p:ph type="title"/>
-          </p:nvPr>
-        </p:nvSpPr>
-        <p:spPr/>
-        <p:txBody>
-          <a:bodyPr/>
-          <a:lstStyle/>
-          <a:p>
-            <a:endParaRPr lang="en-US"/>
-          </a:p>
-        </p:txBody>
-      </p:sp>
-      <p:sp>
-        <p:nvSpPr>
-          <p:cNvPr id="3" name="Content Placeholder 2">
-            <a:extLst>
-              <a:ext uri="{FF2B5EF4-FFF2-40B4-BE49-F238E27FC236}">
-                <a16:creationId xmlns:a16="http://schemas.microsoft.com/office/drawing/2014/main" id="{53259E4D-0A71-4265-850C-E4E2771C958D}"/>
-              </a:ext>
-            </a:extLst>
-          </p:cNvPr>
-          <p:cNvSpPr>
-            <a:spLocks noGrp="1"/>
-          </p:cNvSpPr>
-          <p:nvPr>
-            <p:ph idx="1"/>
-          </p:nvPr>
-        </p:nvSpPr>
-        <p:spPr/>
-        <p:txBody>
-          <a:bodyPr/>
-          <a:lstStyle/>
-          <a:p>
-            <a:endParaRPr lang="en-US"/>
-          </a:p>
-        </p:txBody>
-      </p:sp>
-    </p:spTree>
-    <p:extLst>
-      <p:ext uri="{BB962C8B-B14F-4D97-AF65-F5344CB8AC3E}">
-        <p14:creationId xmlns:p14="http://schemas.microsoft.com/office/powerpoint/2010/main" val="2364013277"/>
-      </p:ext>
-    </p:extLst>
-  </p:cSld>
-  <p:clrMapOvr>
-    <a:masterClrMapping/>
-  </p:clrMapOvr>
-</p:sld>
-</file>
-
-<file path=ppt/slides/slide15.xml><?xml version="1.0" encoding="utf-8"?>
-<p:sld xmlns:a="http://schemas.openxmlformats.org/drawingml/2006/main" xmlns:r="http://schemas.openxmlformats.org/officeDocument/2006/relationships" xmlns:p="http://schemas.openxmlformats.org/presentationml/2006/main">
-  <p:cSld>
-    <p:spTree>
-      <p:nvGrpSpPr>
-        <p:cNvPr id="1" name=""/>
-        <p:cNvGrpSpPr/>
-        <p:nvPr/>
-      </p:nvGrpSpPr>
-      <p:grpSpPr>
-        <a:xfrm>
-          <a:off x="0" y="0"/>
-          <a:ext cx="0" cy="0"/>
-          <a:chOff x="0" y="0"/>
-          <a:chExt cx="0" cy="0"/>
-        </a:xfrm>
-      </p:grpSpPr>
-      <p:sp>
-        <p:nvSpPr>
-          <p:cNvPr id="2" name="Title 1">
-            <a:extLst>
-              <a:ext uri="{FF2B5EF4-FFF2-40B4-BE49-F238E27FC236}">
-                <a16:creationId xmlns:a16="http://schemas.microsoft.com/office/drawing/2014/main" id="{575A9616-AF78-41EA-9347-783232ADBA39}"/>
-              </a:ext>
-            </a:extLst>
-          </p:cNvPr>
-          <p:cNvSpPr>
-            <a:spLocks noGrp="1"/>
-          </p:cNvSpPr>
-          <p:nvPr>
-            <p:ph type="title"/>
-          </p:nvPr>
-        </p:nvSpPr>
-        <p:spPr/>
-        <p:txBody>
-          <a:bodyPr/>
-          <a:lstStyle/>
-          <a:p>
-            <a:endParaRPr lang="en-US"/>
-          </a:p>
-        </p:txBody>
-      </p:sp>
-      <p:sp>
-        <p:nvSpPr>
-          <p:cNvPr id="3" name="Content Placeholder 2">
-            <a:extLst>
-              <a:ext uri="{FF2B5EF4-FFF2-40B4-BE49-F238E27FC236}">
-                <a16:creationId xmlns:a16="http://schemas.microsoft.com/office/drawing/2014/main" id="{79623CA9-01CF-41D7-9734-6DD9640C430C}"/>
-              </a:ext>
-            </a:extLst>
-          </p:cNvPr>
-          <p:cNvSpPr>
-            <a:spLocks noGrp="1"/>
-          </p:cNvSpPr>
-          <p:nvPr>
-            <p:ph idx="1"/>
-          </p:nvPr>
-        </p:nvSpPr>
-        <p:spPr/>
-        <p:txBody>
-          <a:bodyPr/>
-          <a:lstStyle/>
-          <a:p>
-            <a:endParaRPr lang="en-US"/>
-          </a:p>
-        </p:txBody>
-      </p:sp>
-    </p:spTree>
-    <p:extLst>
-      <p:ext uri="{BB962C8B-B14F-4D97-AF65-F5344CB8AC3E}">
-        <p14:creationId xmlns:p14="http://schemas.microsoft.com/office/powerpoint/2010/main" val="3520774940"/>
-      </p:ext>
-    </p:extLst>
-  </p:cSld>
-  <p:clrMapOvr>
-    <a:masterClrMapping/>
-  </p:clrMapOvr>
-</p:sld>
-</file>
-
-<file path=ppt/slides/slide16.xml><?xml version="1.0" encoding="utf-8"?>
-<p:sld xmlns:a="http://schemas.openxmlformats.org/drawingml/2006/main" xmlns:r="http://schemas.openxmlformats.org/officeDocument/2006/relationships" xmlns:p="http://schemas.openxmlformats.org/presentationml/2006/main">
-  <p:cSld>
-    <p:spTree>
-      <p:nvGrpSpPr>
-        <p:cNvPr id="1" name=""/>
-        <p:cNvGrpSpPr/>
-        <p:nvPr/>
-      </p:nvGrpSpPr>
-      <p:grpSpPr>
-        <a:xfrm>
-          <a:off x="0" y="0"/>
-          <a:ext cx="0" cy="0"/>
-          <a:chOff x="0" y="0"/>
-          <a:chExt cx="0" cy="0"/>
-        </a:xfrm>
-      </p:grpSpPr>
-      <p:sp>
-        <p:nvSpPr>
-          <p:cNvPr id="2" name="Title 1">
-            <a:extLst>
-              <a:ext uri="{FF2B5EF4-FFF2-40B4-BE49-F238E27FC236}">
-                <a16:creationId xmlns:a16="http://schemas.microsoft.com/office/drawing/2014/main" id="{2BF4B99C-135C-4255-9DA4-AC3F37276EA2}"/>
-              </a:ext>
-            </a:extLst>
-          </p:cNvPr>
-          <p:cNvSpPr>
-            <a:spLocks noGrp="1"/>
-          </p:cNvSpPr>
-          <p:nvPr>
-            <p:ph type="title"/>
-          </p:nvPr>
-        </p:nvSpPr>
-        <p:spPr/>
-        <p:txBody>
-          <a:bodyPr/>
-          <a:lstStyle/>
-          <a:p>
-            <a:endParaRPr lang="en-US"/>
-          </a:p>
-        </p:txBody>
-      </p:sp>
-      <p:sp>
-        <p:nvSpPr>
-          <p:cNvPr id="3" name="Content Placeholder 2">
-            <a:extLst>
-              <a:ext uri="{FF2B5EF4-FFF2-40B4-BE49-F238E27FC236}">
-                <a16:creationId xmlns:a16="http://schemas.microsoft.com/office/drawing/2014/main" id="{91B84D6B-1932-4EF8-AC67-C0A95AECDAF6}"/>
-              </a:ext>
-            </a:extLst>
-          </p:cNvPr>
-          <p:cNvSpPr>
-            <a:spLocks noGrp="1"/>
-          </p:cNvSpPr>
-          <p:nvPr>
-            <p:ph idx="1"/>
-          </p:nvPr>
-        </p:nvSpPr>
-        <p:spPr/>
-        <p:txBody>
-          <a:bodyPr/>
-          <a:lstStyle/>
-          <a:p>
-            <a:endParaRPr lang="en-US"/>
-          </a:p>
-        </p:txBody>
-      </p:sp>
-    </p:spTree>
-    <p:extLst>
-      <p:ext uri="{BB962C8B-B14F-4D97-AF65-F5344CB8AC3E}">
-        <p14:creationId xmlns:p14="http://schemas.microsoft.com/office/powerpoint/2010/main" val="3183249850"/>
-      </p:ext>
-    </p:extLst>
-  </p:cSld>
-  <p:clrMapOvr>
-    <a:masterClrMapping/>
-  </p:clrMapOvr>
-</p:sld>
-</file>
-
-<file path=ppt/slides/slide17.xml><?xml version="1.0" encoding="utf-8"?>
-<p:sld xmlns:a="http://schemas.openxmlformats.org/drawingml/2006/main" xmlns:r="http://schemas.openxmlformats.org/officeDocument/2006/relationships" xmlns:p="http://schemas.openxmlformats.org/presentationml/2006/main">
-  <p:cSld>
-    <p:spTree>
-      <p:nvGrpSpPr>
-        <p:cNvPr id="1" name=""/>
-        <p:cNvGrpSpPr/>
-        <p:nvPr/>
-      </p:nvGrpSpPr>
-      <p:grpSpPr>
-        <a:xfrm>
-          <a:off x="0" y="0"/>
-          <a:ext cx="0" cy="0"/>
-          <a:chOff x="0" y="0"/>
-          <a:chExt cx="0" cy="0"/>
-        </a:xfrm>
-      </p:grpSpPr>
-      <p:sp>
-        <p:nvSpPr>
-          <p:cNvPr id="2" name="Title 1">
-            <a:extLst>
-              <a:ext uri="{FF2B5EF4-FFF2-40B4-BE49-F238E27FC236}">
-                <a16:creationId xmlns:a16="http://schemas.microsoft.com/office/drawing/2014/main" id="{190DCC06-F861-427E-B58B-FC4DC43B5F2B}"/>
-              </a:ext>
-            </a:extLst>
-          </p:cNvPr>
-          <p:cNvSpPr>
-            <a:spLocks noGrp="1"/>
-          </p:cNvSpPr>
-          <p:nvPr>
-            <p:ph type="title"/>
-          </p:nvPr>
-        </p:nvSpPr>
-        <p:spPr/>
-        <p:txBody>
-          <a:bodyPr/>
-          <a:lstStyle/>
-          <a:p>
-            <a:endParaRPr lang="en-US"/>
-          </a:p>
-        </p:txBody>
-      </p:sp>
-      <p:sp>
-        <p:nvSpPr>
-          <p:cNvPr id="3" name="Content Placeholder 2">
-            <a:extLst>
-              <a:ext uri="{FF2B5EF4-FFF2-40B4-BE49-F238E27FC236}">
-                <a16:creationId xmlns:a16="http://schemas.microsoft.com/office/drawing/2014/main" id="{7EFB83B1-4FC1-4FA0-953B-FAD036228B0C}"/>
-              </a:ext>
-            </a:extLst>
-          </p:cNvPr>
-          <p:cNvSpPr>
-            <a:spLocks noGrp="1"/>
-          </p:cNvSpPr>
-          <p:nvPr>
-            <p:ph idx="1"/>
-          </p:nvPr>
-        </p:nvSpPr>
-        <p:spPr/>
-        <p:txBody>
-          <a:bodyPr/>
-          <a:lstStyle/>
-          <a:p>
-            <a:endParaRPr lang="en-US"/>
-          </a:p>
-        </p:txBody>
-      </p:sp>
-    </p:spTree>
-    <p:extLst>
-      <p:ext uri="{BB962C8B-B14F-4D97-AF65-F5344CB8AC3E}">
-        <p14:creationId xmlns:p14="http://schemas.microsoft.com/office/powerpoint/2010/main" val="3180472585"/>
-      </p:ext>
-    </p:extLst>
-  </p:cSld>
-  <p:clrMapOvr>
-    <a:masterClrMapping/>
-  </p:clrMapOvr>
-</p:sld>
-</file>
-
-<file path=ppt/slides/slide18.xml><?xml version="1.0" encoding="utf-8"?>
-<p:sld xmlns:a="http://schemas.openxmlformats.org/drawingml/2006/main" xmlns:r="http://schemas.openxmlformats.org/officeDocument/2006/relationships" xmlns:p="http://schemas.openxmlformats.org/presentationml/2006/main">
-  <p:cSld>
-    <p:spTree>
-      <p:nvGrpSpPr>
-        <p:cNvPr id="1" name=""/>
-        <p:cNvGrpSpPr/>
-        <p:nvPr/>
-      </p:nvGrpSpPr>
-      <p:grpSpPr>
-        <a:xfrm>
-          <a:off x="0" y="0"/>
-          <a:ext cx="0" cy="0"/>
-          <a:chOff x="0" y="0"/>
-          <a:chExt cx="0" cy="0"/>
-        </a:xfrm>
-      </p:grpSpPr>
-      <p:sp>
-        <p:nvSpPr>
-          <p:cNvPr id="2" name="Title 1">
-            <a:extLst>
-              <a:ext uri="{FF2B5EF4-FFF2-40B4-BE49-F238E27FC236}">
-                <a16:creationId xmlns:a16="http://schemas.microsoft.com/office/drawing/2014/main" id="{5A7F7790-B4DE-4789-8AB3-9ADF798AE31A}"/>
-              </a:ext>
-            </a:extLst>
-          </p:cNvPr>
-          <p:cNvSpPr>
-            <a:spLocks noGrp="1"/>
-          </p:cNvSpPr>
-          <p:nvPr>
-            <p:ph type="title"/>
-          </p:nvPr>
-        </p:nvSpPr>
-        <p:spPr/>
-        <p:txBody>
-          <a:bodyPr/>
-          <a:lstStyle/>
-          <a:p>
-            <a:endParaRPr lang="en-US"/>
-          </a:p>
-        </p:txBody>
-      </p:sp>
-      <p:sp>
-        <p:nvSpPr>
-          <p:cNvPr id="3" name="Content Placeholder 2">
-            <a:extLst>
-              <a:ext uri="{FF2B5EF4-FFF2-40B4-BE49-F238E27FC236}">
-                <a16:creationId xmlns:a16="http://schemas.microsoft.com/office/drawing/2014/main" id="{37AE74C7-7E4E-44F1-9383-3987E7C14A69}"/>
-              </a:ext>
-            </a:extLst>
-          </p:cNvPr>
-          <p:cNvSpPr>
-            <a:spLocks noGrp="1"/>
-          </p:cNvSpPr>
-          <p:nvPr>
-            <p:ph idx="1"/>
-          </p:nvPr>
-        </p:nvSpPr>
-        <p:spPr/>
-        <p:txBody>
-          <a:bodyPr/>
-          <a:lstStyle/>
-          <a:p>
-            <a:endParaRPr lang="en-US"/>
-          </a:p>
-        </p:txBody>
-      </p:sp>
-    </p:spTree>
-    <p:extLst>
-      <p:ext uri="{BB962C8B-B14F-4D97-AF65-F5344CB8AC3E}">
-        <p14:creationId xmlns:p14="http://schemas.microsoft.com/office/powerpoint/2010/main" val="573071334"/>
       </p:ext>
     </p:extLst>
   </p:cSld>
@@ -4398,7 +3725,7 @@
           <p:cNvPr id="2" name="Title 1">
             <a:extLst>
               <a:ext uri="{FF2B5EF4-FFF2-40B4-BE49-F238E27FC236}">
-                <a16:creationId xmlns:a16="http://schemas.microsoft.com/office/drawing/2014/main" id="{EBA3EBF6-4D5C-4D86-84BD-56D48398F576}"/>
+                <a16:creationId xmlns:a16="http://schemas.microsoft.com/office/drawing/2014/main" id="{5EC7B7A7-2F83-4319-82A0-2104E65C7CBC}"/>
               </a:ext>
             </a:extLst>
           </p:cNvPr>
@@ -4414,7 +3741,10 @@
           <a:bodyPr/>
           <a:lstStyle/>
           <a:p>
-            <a:endParaRPr lang="en-US"/>
+            <a:r>
+              <a:rPr lang="en-US"/>
+              <a:t>Thiết kế Website bán hàng.</a:t>
+            </a:r>
           </a:p>
         </p:txBody>
       </p:sp>
@@ -4423,7 +3753,7 @@
           <p:cNvPr id="3" name="Content Placeholder 2">
             <a:extLst>
               <a:ext uri="{FF2B5EF4-FFF2-40B4-BE49-F238E27FC236}">
-                <a16:creationId xmlns:a16="http://schemas.microsoft.com/office/drawing/2014/main" id="{D2E9FB4B-28AA-45CE-BEA6-D9BF728A4152}"/>
+                <a16:creationId xmlns:a16="http://schemas.microsoft.com/office/drawing/2014/main" id="{F6CFDE85-4017-4B6C-9C44-75D285AB75CD}"/>
               </a:ext>
             </a:extLst>
           </p:cNvPr>
@@ -4434,7 +3764,12 @@
             <p:ph idx="1"/>
           </p:nvPr>
         </p:nvSpPr>
-        <p:spPr/>
+        <p:spPr>
+          <a:xfrm>
+            <a:off x="349928" y="1491448"/>
+            <a:ext cx="11842072" cy="4152854"/>
+          </a:xfrm>
+        </p:spPr>
         <p:txBody>
           <a:bodyPr/>
           <a:lstStyle/>
@@ -4446,7 +3781,7 @@
     </p:spTree>
     <p:extLst>
       <p:ext uri="{BB962C8B-B14F-4D97-AF65-F5344CB8AC3E}">
-        <p14:creationId xmlns:p14="http://schemas.microsoft.com/office/powerpoint/2010/main" val="2324668483"/>
+        <p14:creationId xmlns:p14="http://schemas.microsoft.com/office/powerpoint/2010/main" val="631443839"/>
       </p:ext>
     </p:extLst>
   </p:cSld>
@@ -4478,7 +3813,7 @@
           <p:cNvPr id="2" name="Title 1">
             <a:extLst>
               <a:ext uri="{FF2B5EF4-FFF2-40B4-BE49-F238E27FC236}">
-                <a16:creationId xmlns:a16="http://schemas.microsoft.com/office/drawing/2014/main" id="{3BC09330-C8AC-4E28-BFF1-DBDED2E651C4}"/>
+                <a16:creationId xmlns:a16="http://schemas.microsoft.com/office/drawing/2014/main" id="{2174E3BE-CE1E-40BE-92FA-A463CC5C5930}"/>
               </a:ext>
             </a:extLst>
           </p:cNvPr>
@@ -4503,7 +3838,7 @@
           <p:cNvPr id="3" name="Content Placeholder 2">
             <a:extLst>
               <a:ext uri="{FF2B5EF4-FFF2-40B4-BE49-F238E27FC236}">
-                <a16:creationId xmlns:a16="http://schemas.microsoft.com/office/drawing/2014/main" id="{7293D87C-7E9C-41DE-83B9-ED1511C44AFE}"/>
+                <a16:creationId xmlns:a16="http://schemas.microsoft.com/office/drawing/2014/main" id="{CFF43498-9FD7-44EE-AED4-A97722FA9583}"/>
               </a:ext>
             </a:extLst>
           </p:cNvPr>
@@ -4520,13 +3855,199 @@
           <a:lstStyle/>
           <a:p>
             <a:endParaRPr lang="en-US"/>
+          </a:p>
+        </p:txBody>
+      </p:sp>
+      <p:pic>
+        <p:nvPicPr>
+          <p:cNvPr id="4" name="Picture 3">
+            <a:extLst>
+              <a:ext uri="{FF2B5EF4-FFF2-40B4-BE49-F238E27FC236}">
+                <a16:creationId xmlns:a16="http://schemas.microsoft.com/office/drawing/2014/main" id="{321B73C7-332A-44CC-A811-DBFE902ADA12}"/>
+              </a:ext>
+            </a:extLst>
+          </p:cNvPr>
+          <p:cNvPicPr>
+            <a:picLocks noChangeAspect="1"/>
+          </p:cNvPicPr>
+          <p:nvPr/>
+        </p:nvPicPr>
+        <p:blipFill>
+          <a:blip r:embed="rId2"/>
+          <a:stretch>
+            <a:fillRect/>
+          </a:stretch>
+        </p:blipFill>
+        <p:spPr>
+          <a:xfrm>
+            <a:off x="239698" y="133164"/>
+            <a:ext cx="11523216" cy="6578353"/>
+          </a:xfrm>
+          <a:prstGeom prst="rect">
+            <a:avLst/>
+          </a:prstGeom>
+        </p:spPr>
+      </p:pic>
+      <p:sp>
+        <p:nvSpPr>
+          <p:cNvPr id="5" name="TextBox 4">
+            <a:extLst>
+              <a:ext uri="{FF2B5EF4-FFF2-40B4-BE49-F238E27FC236}">
+                <a16:creationId xmlns:a16="http://schemas.microsoft.com/office/drawing/2014/main" id="{AD50E26E-D0EA-4943-A6E4-F8F33BFDB04D}"/>
+              </a:ext>
+            </a:extLst>
+          </p:cNvPr>
+          <p:cNvSpPr txBox="1"/>
+          <p:nvPr/>
+        </p:nvSpPr>
+        <p:spPr>
+          <a:xfrm>
+            <a:off x="4110361" y="204186"/>
+            <a:ext cx="1429305" cy="369332"/>
+          </a:xfrm>
+          <a:prstGeom prst="rect">
+            <a:avLst/>
+          </a:prstGeom>
+          <a:noFill/>
+        </p:spPr>
+        <p:txBody>
+          <a:bodyPr wrap="square" rtlCol="0">
+            <a:spAutoFit/>
+          </a:bodyPr>
+          <a:lstStyle/>
+          <a:p>
+            <a:r>
+              <a:rPr lang="en-US">
+                <a:highlight>
+                  <a:srgbClr val="FFFF00"/>
+                </a:highlight>
+              </a:rPr>
+              <a:t>Sản phẩm </a:t>
+            </a:r>
+          </a:p>
+        </p:txBody>
+      </p:sp>
+      <p:sp>
+        <p:nvSpPr>
+          <p:cNvPr id="6" name="TextBox 5">
+            <a:extLst>
+              <a:ext uri="{FF2B5EF4-FFF2-40B4-BE49-F238E27FC236}">
+                <a16:creationId xmlns:a16="http://schemas.microsoft.com/office/drawing/2014/main" id="{4C162DB1-E8E3-4212-BEC5-8F47DE7ADAD7}"/>
+              </a:ext>
+            </a:extLst>
+          </p:cNvPr>
+          <p:cNvSpPr txBox="1"/>
+          <p:nvPr/>
+        </p:nvSpPr>
+        <p:spPr>
+          <a:xfrm>
+            <a:off x="6693763" y="3429000"/>
+            <a:ext cx="1811045" cy="369332"/>
+          </a:xfrm>
+          <a:prstGeom prst="rect">
+            <a:avLst/>
+          </a:prstGeom>
+          <a:noFill/>
+        </p:spPr>
+        <p:txBody>
+          <a:bodyPr wrap="square" rtlCol="0">
+            <a:spAutoFit/>
+          </a:bodyPr>
+          <a:lstStyle/>
+          <a:p>
+            <a:r>
+              <a:rPr lang="en-US">
+                <a:highlight>
+                  <a:srgbClr val="FFFF00"/>
+                </a:highlight>
+              </a:rPr>
+              <a:t>Giỏ hàng</a:t>
+            </a:r>
+          </a:p>
+        </p:txBody>
+      </p:sp>
+      <p:sp>
+        <p:nvSpPr>
+          <p:cNvPr id="7" name="TextBox 6">
+            <a:extLst>
+              <a:ext uri="{FF2B5EF4-FFF2-40B4-BE49-F238E27FC236}">
+                <a16:creationId xmlns:a16="http://schemas.microsoft.com/office/drawing/2014/main" id="{2C749A9A-772D-4210-BAC8-4AECE5C4E770}"/>
+              </a:ext>
+            </a:extLst>
+          </p:cNvPr>
+          <p:cNvSpPr txBox="1"/>
+          <p:nvPr/>
+        </p:nvSpPr>
+        <p:spPr>
+          <a:xfrm>
+            <a:off x="9348186" y="3429000"/>
+            <a:ext cx="1704513" cy="369332"/>
+          </a:xfrm>
+          <a:prstGeom prst="rect">
+            <a:avLst/>
+          </a:prstGeom>
+          <a:noFill/>
+        </p:spPr>
+        <p:txBody>
+          <a:bodyPr wrap="square" rtlCol="0">
+            <a:spAutoFit/>
+          </a:bodyPr>
+          <a:lstStyle/>
+          <a:p>
+            <a:r>
+              <a:rPr lang="en-US">
+                <a:highlight>
+                  <a:srgbClr val="FFFF00"/>
+                </a:highlight>
+              </a:rPr>
+              <a:t>Thanh toán</a:t>
+            </a:r>
+          </a:p>
+        </p:txBody>
+      </p:sp>
+      <p:sp>
+        <p:nvSpPr>
+          <p:cNvPr id="8" name="TextBox 7">
+            <a:extLst>
+              <a:ext uri="{FF2B5EF4-FFF2-40B4-BE49-F238E27FC236}">
+                <a16:creationId xmlns:a16="http://schemas.microsoft.com/office/drawing/2014/main" id="{6D178EC3-B47E-41DC-979C-37875D440268}"/>
+              </a:ext>
+            </a:extLst>
+          </p:cNvPr>
+          <p:cNvSpPr txBox="1"/>
+          <p:nvPr/>
+        </p:nvSpPr>
+        <p:spPr>
+          <a:xfrm>
+            <a:off x="648070" y="4509856"/>
+            <a:ext cx="2547891" cy="369332"/>
+          </a:xfrm>
+          <a:prstGeom prst="rect">
+            <a:avLst/>
+          </a:prstGeom>
+          <a:noFill/>
+        </p:spPr>
+        <p:txBody>
+          <a:bodyPr wrap="square" rtlCol="0">
+            <a:spAutoFit/>
+          </a:bodyPr>
+          <a:lstStyle/>
+          <a:p>
+            <a:r>
+              <a:rPr lang="en-US">
+                <a:highlight>
+                  <a:srgbClr val="FFFF00"/>
+                </a:highlight>
+              </a:rPr>
+              <a:t>Trang hiển thị các loại SP</a:t>
+            </a:r>
           </a:p>
         </p:txBody>
       </p:sp>
     </p:spTree>
     <p:extLst>
       <p:ext uri="{BB962C8B-B14F-4D97-AF65-F5344CB8AC3E}">
-        <p14:creationId xmlns:p14="http://schemas.microsoft.com/office/powerpoint/2010/main" val="3036475394"/>
+        <p14:creationId xmlns:p14="http://schemas.microsoft.com/office/powerpoint/2010/main" val="683303034"/>
       </p:ext>
     </p:extLst>
   </p:cSld>
@@ -4558,360 +4079,6 @@
           <p:cNvPr id="2" name="Title 1">
             <a:extLst>
               <a:ext uri="{FF2B5EF4-FFF2-40B4-BE49-F238E27FC236}">
-                <a16:creationId xmlns:a16="http://schemas.microsoft.com/office/drawing/2014/main" id="{5EC7B7A7-2F83-4319-82A0-2104E65C7CBC}"/>
-              </a:ext>
-            </a:extLst>
-          </p:cNvPr>
-          <p:cNvSpPr>
-            <a:spLocks noGrp="1"/>
-          </p:cNvSpPr>
-          <p:nvPr>
-            <p:ph type="title"/>
-          </p:nvPr>
-        </p:nvSpPr>
-        <p:spPr/>
-        <p:txBody>
-          <a:bodyPr/>
-          <a:lstStyle/>
-          <a:p>
-            <a:r>
-              <a:rPr lang="en-US"/>
-              <a:t>Thiết kế Website bán hàng.</a:t>
-            </a:r>
-          </a:p>
-        </p:txBody>
-      </p:sp>
-      <p:sp>
-        <p:nvSpPr>
-          <p:cNvPr id="3" name="Content Placeholder 2">
-            <a:extLst>
-              <a:ext uri="{FF2B5EF4-FFF2-40B4-BE49-F238E27FC236}">
-                <a16:creationId xmlns:a16="http://schemas.microsoft.com/office/drawing/2014/main" id="{F6CFDE85-4017-4B6C-9C44-75D285AB75CD}"/>
-              </a:ext>
-            </a:extLst>
-          </p:cNvPr>
-          <p:cNvSpPr>
-            <a:spLocks noGrp="1"/>
-          </p:cNvSpPr>
-          <p:nvPr>
-            <p:ph idx="1"/>
-          </p:nvPr>
-        </p:nvSpPr>
-        <p:spPr>
-          <a:xfrm>
-            <a:off x="349928" y="1491448"/>
-            <a:ext cx="11842072" cy="4152854"/>
-          </a:xfrm>
-        </p:spPr>
-        <p:txBody>
-          <a:bodyPr/>
-          <a:lstStyle/>
-          <a:p>
-            <a:endParaRPr lang="en-US"/>
-          </a:p>
-        </p:txBody>
-      </p:sp>
-    </p:spTree>
-    <p:extLst>
-      <p:ext uri="{BB962C8B-B14F-4D97-AF65-F5344CB8AC3E}">
-        <p14:creationId xmlns:p14="http://schemas.microsoft.com/office/powerpoint/2010/main" val="631443839"/>
-      </p:ext>
-    </p:extLst>
-  </p:cSld>
-  <p:clrMapOvr>
-    <a:masterClrMapping/>
-  </p:clrMapOvr>
-</p:sld>
-</file>
-
-<file path=ppt/slides/slide6.xml><?xml version="1.0" encoding="utf-8"?>
-<p:sld xmlns:a="http://schemas.openxmlformats.org/drawingml/2006/main" xmlns:r="http://schemas.openxmlformats.org/officeDocument/2006/relationships" xmlns:p="http://schemas.openxmlformats.org/presentationml/2006/main">
-  <p:cSld>
-    <p:spTree>
-      <p:nvGrpSpPr>
-        <p:cNvPr id="1" name=""/>
-        <p:cNvGrpSpPr/>
-        <p:nvPr/>
-      </p:nvGrpSpPr>
-      <p:grpSpPr>
-        <a:xfrm>
-          <a:off x="0" y="0"/>
-          <a:ext cx="0" cy="0"/>
-          <a:chOff x="0" y="0"/>
-          <a:chExt cx="0" cy="0"/>
-        </a:xfrm>
-      </p:grpSpPr>
-      <p:sp>
-        <p:nvSpPr>
-          <p:cNvPr id="2" name="Title 1">
-            <a:extLst>
-              <a:ext uri="{FF2B5EF4-FFF2-40B4-BE49-F238E27FC236}">
-                <a16:creationId xmlns:a16="http://schemas.microsoft.com/office/drawing/2014/main" id="{2174E3BE-CE1E-40BE-92FA-A463CC5C5930}"/>
-              </a:ext>
-            </a:extLst>
-          </p:cNvPr>
-          <p:cNvSpPr>
-            <a:spLocks noGrp="1"/>
-          </p:cNvSpPr>
-          <p:nvPr>
-            <p:ph type="title"/>
-          </p:nvPr>
-        </p:nvSpPr>
-        <p:spPr/>
-        <p:txBody>
-          <a:bodyPr/>
-          <a:lstStyle/>
-          <a:p>
-            <a:endParaRPr lang="en-US"/>
-          </a:p>
-        </p:txBody>
-      </p:sp>
-      <p:sp>
-        <p:nvSpPr>
-          <p:cNvPr id="3" name="Content Placeholder 2">
-            <a:extLst>
-              <a:ext uri="{FF2B5EF4-FFF2-40B4-BE49-F238E27FC236}">
-                <a16:creationId xmlns:a16="http://schemas.microsoft.com/office/drawing/2014/main" id="{CFF43498-9FD7-44EE-AED4-A97722FA9583}"/>
-              </a:ext>
-            </a:extLst>
-          </p:cNvPr>
-          <p:cNvSpPr>
-            <a:spLocks noGrp="1"/>
-          </p:cNvSpPr>
-          <p:nvPr>
-            <p:ph idx="1"/>
-          </p:nvPr>
-        </p:nvSpPr>
-        <p:spPr/>
-        <p:txBody>
-          <a:bodyPr/>
-          <a:lstStyle/>
-          <a:p>
-            <a:endParaRPr lang="en-US"/>
-          </a:p>
-        </p:txBody>
-      </p:sp>
-      <p:pic>
-        <p:nvPicPr>
-          <p:cNvPr id="4" name="Picture 3">
-            <a:extLst>
-              <a:ext uri="{FF2B5EF4-FFF2-40B4-BE49-F238E27FC236}">
-                <a16:creationId xmlns:a16="http://schemas.microsoft.com/office/drawing/2014/main" id="{321B73C7-332A-44CC-A811-DBFE902ADA12}"/>
-              </a:ext>
-            </a:extLst>
-          </p:cNvPr>
-          <p:cNvPicPr>
-            <a:picLocks noChangeAspect="1"/>
-          </p:cNvPicPr>
-          <p:nvPr/>
-        </p:nvPicPr>
-        <p:blipFill>
-          <a:blip r:embed="rId2"/>
-          <a:stretch>
-            <a:fillRect/>
-          </a:stretch>
-        </p:blipFill>
-        <p:spPr>
-          <a:xfrm>
-            <a:off x="239698" y="133164"/>
-            <a:ext cx="11523216" cy="6578353"/>
-          </a:xfrm>
-          <a:prstGeom prst="rect">
-            <a:avLst/>
-          </a:prstGeom>
-        </p:spPr>
-      </p:pic>
-      <p:sp>
-        <p:nvSpPr>
-          <p:cNvPr id="5" name="TextBox 4">
-            <a:extLst>
-              <a:ext uri="{FF2B5EF4-FFF2-40B4-BE49-F238E27FC236}">
-                <a16:creationId xmlns:a16="http://schemas.microsoft.com/office/drawing/2014/main" id="{AD50E26E-D0EA-4943-A6E4-F8F33BFDB04D}"/>
-              </a:ext>
-            </a:extLst>
-          </p:cNvPr>
-          <p:cNvSpPr txBox="1"/>
-          <p:nvPr/>
-        </p:nvSpPr>
-        <p:spPr>
-          <a:xfrm>
-            <a:off x="4110361" y="204186"/>
-            <a:ext cx="1429305" cy="369332"/>
-          </a:xfrm>
-          <a:prstGeom prst="rect">
-            <a:avLst/>
-          </a:prstGeom>
-          <a:noFill/>
-        </p:spPr>
-        <p:txBody>
-          <a:bodyPr wrap="square" rtlCol="0">
-            <a:spAutoFit/>
-          </a:bodyPr>
-          <a:lstStyle/>
-          <a:p>
-            <a:r>
-              <a:rPr lang="en-US">
-                <a:highlight>
-                  <a:srgbClr val="FFFF00"/>
-                </a:highlight>
-              </a:rPr>
-              <a:t>Sản phẩm </a:t>
-            </a:r>
-          </a:p>
-        </p:txBody>
-      </p:sp>
-      <p:sp>
-        <p:nvSpPr>
-          <p:cNvPr id="6" name="TextBox 5">
-            <a:extLst>
-              <a:ext uri="{FF2B5EF4-FFF2-40B4-BE49-F238E27FC236}">
-                <a16:creationId xmlns:a16="http://schemas.microsoft.com/office/drawing/2014/main" id="{4C162DB1-E8E3-4212-BEC5-8F47DE7ADAD7}"/>
-              </a:ext>
-            </a:extLst>
-          </p:cNvPr>
-          <p:cNvSpPr txBox="1"/>
-          <p:nvPr/>
-        </p:nvSpPr>
-        <p:spPr>
-          <a:xfrm>
-            <a:off x="6693763" y="3429000"/>
-            <a:ext cx="1811045" cy="369332"/>
-          </a:xfrm>
-          <a:prstGeom prst="rect">
-            <a:avLst/>
-          </a:prstGeom>
-          <a:noFill/>
-        </p:spPr>
-        <p:txBody>
-          <a:bodyPr wrap="square" rtlCol="0">
-            <a:spAutoFit/>
-          </a:bodyPr>
-          <a:lstStyle/>
-          <a:p>
-            <a:r>
-              <a:rPr lang="en-US">
-                <a:highlight>
-                  <a:srgbClr val="FFFF00"/>
-                </a:highlight>
-              </a:rPr>
-              <a:t>Giỏ hàng</a:t>
-            </a:r>
-          </a:p>
-        </p:txBody>
-      </p:sp>
-      <p:sp>
-        <p:nvSpPr>
-          <p:cNvPr id="7" name="TextBox 6">
-            <a:extLst>
-              <a:ext uri="{FF2B5EF4-FFF2-40B4-BE49-F238E27FC236}">
-                <a16:creationId xmlns:a16="http://schemas.microsoft.com/office/drawing/2014/main" id="{2C749A9A-772D-4210-BAC8-4AECE5C4E770}"/>
-              </a:ext>
-            </a:extLst>
-          </p:cNvPr>
-          <p:cNvSpPr txBox="1"/>
-          <p:nvPr/>
-        </p:nvSpPr>
-        <p:spPr>
-          <a:xfrm>
-            <a:off x="9348186" y="3429000"/>
-            <a:ext cx="1704513" cy="369332"/>
-          </a:xfrm>
-          <a:prstGeom prst="rect">
-            <a:avLst/>
-          </a:prstGeom>
-          <a:noFill/>
-        </p:spPr>
-        <p:txBody>
-          <a:bodyPr wrap="square" rtlCol="0">
-            <a:spAutoFit/>
-          </a:bodyPr>
-          <a:lstStyle/>
-          <a:p>
-            <a:r>
-              <a:rPr lang="en-US">
-                <a:highlight>
-                  <a:srgbClr val="FFFF00"/>
-                </a:highlight>
-              </a:rPr>
-              <a:t>Thanh toán</a:t>
-            </a:r>
-          </a:p>
-        </p:txBody>
-      </p:sp>
-      <p:sp>
-        <p:nvSpPr>
-          <p:cNvPr id="8" name="TextBox 7">
-            <a:extLst>
-              <a:ext uri="{FF2B5EF4-FFF2-40B4-BE49-F238E27FC236}">
-                <a16:creationId xmlns:a16="http://schemas.microsoft.com/office/drawing/2014/main" id="{6D178EC3-B47E-41DC-979C-37875D440268}"/>
-              </a:ext>
-            </a:extLst>
-          </p:cNvPr>
-          <p:cNvSpPr txBox="1"/>
-          <p:nvPr/>
-        </p:nvSpPr>
-        <p:spPr>
-          <a:xfrm>
-            <a:off x="648070" y="4509856"/>
-            <a:ext cx="2547891" cy="369332"/>
-          </a:xfrm>
-          <a:prstGeom prst="rect">
-            <a:avLst/>
-          </a:prstGeom>
-          <a:noFill/>
-        </p:spPr>
-        <p:txBody>
-          <a:bodyPr wrap="square" rtlCol="0">
-            <a:spAutoFit/>
-          </a:bodyPr>
-          <a:lstStyle/>
-          <a:p>
-            <a:r>
-              <a:rPr lang="en-US">
-                <a:highlight>
-                  <a:srgbClr val="FFFF00"/>
-                </a:highlight>
-              </a:rPr>
-              <a:t>Trang hiển thị các loại SP</a:t>
-            </a:r>
-          </a:p>
-        </p:txBody>
-      </p:sp>
-    </p:spTree>
-    <p:extLst>
-      <p:ext uri="{BB962C8B-B14F-4D97-AF65-F5344CB8AC3E}">
-        <p14:creationId xmlns:p14="http://schemas.microsoft.com/office/powerpoint/2010/main" val="683303034"/>
-      </p:ext>
-    </p:extLst>
-  </p:cSld>
-  <p:clrMapOvr>
-    <a:masterClrMapping/>
-  </p:clrMapOvr>
-</p:sld>
-</file>
-
-<file path=ppt/slides/slide7.xml><?xml version="1.0" encoding="utf-8"?>
-<p:sld xmlns:a="http://schemas.openxmlformats.org/drawingml/2006/main" xmlns:r="http://schemas.openxmlformats.org/officeDocument/2006/relationships" xmlns:p="http://schemas.openxmlformats.org/presentationml/2006/main">
-  <p:cSld>
-    <p:spTree>
-      <p:nvGrpSpPr>
-        <p:cNvPr id="1" name=""/>
-        <p:cNvGrpSpPr/>
-        <p:nvPr/>
-      </p:nvGrpSpPr>
-      <p:grpSpPr>
-        <a:xfrm>
-          <a:off x="0" y="0"/>
-          <a:ext cx="0" cy="0"/>
-          <a:chOff x="0" y="0"/>
-          <a:chExt cx="0" cy="0"/>
-        </a:xfrm>
-      </p:grpSpPr>
-      <p:sp>
-        <p:nvSpPr>
-          <p:cNvPr id="2" name="Title 1">
-            <a:extLst>
-              <a:ext uri="{FF2B5EF4-FFF2-40B4-BE49-F238E27FC236}">
                 <a16:creationId xmlns:a16="http://schemas.microsoft.com/office/drawing/2014/main" id="{D04B1C7B-BB6A-4278-9AE3-CD7B483BC311}"/>
               </a:ext>
             </a:extLst>
@@ -5035,7 +4202,7 @@
 </p:sld>
 </file>
 
-<file path=ppt/slides/slide8.xml><?xml version="1.0" encoding="utf-8"?>
+<file path=ppt/slides/slide6.xml><?xml version="1.0" encoding="utf-8"?>
 <p:sld xmlns:a="http://schemas.openxmlformats.org/drawingml/2006/main" xmlns:r="http://schemas.openxmlformats.org/officeDocument/2006/relationships" xmlns:p="http://schemas.openxmlformats.org/presentationml/2006/main">
   <p:cSld>
     <p:spTree>
@@ -5095,7 +4262,7 @@
 </p:sld>
 </file>
 
-<file path=ppt/slides/slide9.xml><?xml version="1.0" encoding="utf-8"?>
+<file path=ppt/slides/slide7.xml><?xml version="1.0" encoding="utf-8"?>
 <p:sld xmlns:a="http://schemas.openxmlformats.org/drawingml/2006/main" xmlns:r="http://schemas.openxmlformats.org/officeDocument/2006/relationships" xmlns:p="http://schemas.openxmlformats.org/presentationml/2006/main">
   <p:cSld>
     <p:spTree>
@@ -5380,6 +4547,191 @@
     <p:extLst>
       <p:ext uri="{BB962C8B-B14F-4D97-AF65-F5344CB8AC3E}">
         <p14:creationId xmlns:p14="http://schemas.microsoft.com/office/powerpoint/2010/main" val="2624427486"/>
+      </p:ext>
+    </p:extLst>
+  </p:cSld>
+  <p:clrMapOvr>
+    <a:masterClrMapping/>
+  </p:clrMapOvr>
+</p:sld>
+</file>
+
+<file path=ppt/slides/slide8.xml><?xml version="1.0" encoding="utf-8"?>
+<p:sld xmlns:a="http://schemas.openxmlformats.org/drawingml/2006/main" xmlns:r="http://schemas.openxmlformats.org/officeDocument/2006/relationships" xmlns:p="http://schemas.openxmlformats.org/presentationml/2006/main">
+  <p:cSld>
+    <p:spTree>
+      <p:nvGrpSpPr>
+        <p:cNvPr id="1" name=""/>
+        <p:cNvGrpSpPr/>
+        <p:nvPr/>
+      </p:nvGrpSpPr>
+      <p:grpSpPr>
+        <a:xfrm>
+          <a:off x="0" y="0"/>
+          <a:ext cx="0" cy="0"/>
+          <a:chOff x="0" y="0"/>
+          <a:chExt cx="0" cy="0"/>
+        </a:xfrm>
+      </p:grpSpPr>
+      <p:pic>
+        <p:nvPicPr>
+          <p:cNvPr id="4" name="Picture 3">
+            <a:extLst>
+              <a:ext uri="{FF2B5EF4-FFF2-40B4-BE49-F238E27FC236}">
+                <a16:creationId xmlns:a16="http://schemas.microsoft.com/office/drawing/2014/main" id="{B1429848-A603-45EF-9106-4531F328106B}"/>
+              </a:ext>
+            </a:extLst>
+          </p:cNvPr>
+          <p:cNvPicPr>
+            <a:picLocks noChangeAspect="1"/>
+          </p:cNvPicPr>
+          <p:nvPr/>
+        </p:nvPicPr>
+        <p:blipFill>
+          <a:blip r:embed="rId2"/>
+          <a:stretch>
+            <a:fillRect/>
+          </a:stretch>
+        </p:blipFill>
+        <p:spPr>
+          <a:xfrm>
+            <a:off x="184646" y="513261"/>
+            <a:ext cx="6354062" cy="905001"/>
+          </a:xfrm>
+          <a:prstGeom prst="rect">
+            <a:avLst/>
+          </a:prstGeom>
+        </p:spPr>
+      </p:pic>
+      <p:pic>
+        <p:nvPicPr>
+          <p:cNvPr id="5" name="Picture 4">
+            <a:extLst>
+              <a:ext uri="{FF2B5EF4-FFF2-40B4-BE49-F238E27FC236}">
+                <a16:creationId xmlns:a16="http://schemas.microsoft.com/office/drawing/2014/main" id="{EBC43910-0222-44D0-A2D4-095A6F1A8DEF}"/>
+              </a:ext>
+            </a:extLst>
+          </p:cNvPr>
+          <p:cNvPicPr>
+            <a:picLocks noChangeAspect="1"/>
+          </p:cNvPicPr>
+          <p:nvPr/>
+        </p:nvPicPr>
+        <p:blipFill>
+          <a:blip r:embed="rId3"/>
+          <a:stretch>
+            <a:fillRect/>
+          </a:stretch>
+        </p:blipFill>
+        <p:spPr>
+          <a:xfrm>
+            <a:off x="279876" y="1791431"/>
+            <a:ext cx="6258831" cy="771633"/>
+          </a:xfrm>
+          <a:prstGeom prst="rect">
+            <a:avLst/>
+          </a:prstGeom>
+        </p:spPr>
+      </p:pic>
+    </p:spTree>
+    <p:extLst>
+      <p:ext uri="{BB962C8B-B14F-4D97-AF65-F5344CB8AC3E}">
+        <p14:creationId xmlns:p14="http://schemas.microsoft.com/office/powerpoint/2010/main" val="3349409317"/>
+      </p:ext>
+    </p:extLst>
+  </p:cSld>
+  <p:clrMapOvr>
+    <a:masterClrMapping/>
+  </p:clrMapOvr>
+</p:sld>
+</file>
+
+<file path=ppt/slides/slide9.xml><?xml version="1.0" encoding="utf-8"?>
+<p:sld xmlns:a="http://schemas.openxmlformats.org/drawingml/2006/main" xmlns:r="http://schemas.openxmlformats.org/officeDocument/2006/relationships" xmlns:p="http://schemas.openxmlformats.org/presentationml/2006/main">
+  <p:cSld>
+    <p:spTree>
+      <p:nvGrpSpPr>
+        <p:cNvPr id="1" name=""/>
+        <p:cNvGrpSpPr/>
+        <p:nvPr/>
+      </p:nvGrpSpPr>
+      <p:grpSpPr>
+        <a:xfrm>
+          <a:off x="0" y="0"/>
+          <a:ext cx="0" cy="0"/>
+          <a:chOff x="0" y="0"/>
+          <a:chExt cx="0" cy="0"/>
+        </a:xfrm>
+      </p:grpSpPr>
+      <p:sp>
+        <p:nvSpPr>
+          <p:cNvPr id="2" name="Title 1">
+            <a:extLst>
+              <a:ext uri="{FF2B5EF4-FFF2-40B4-BE49-F238E27FC236}">
+                <a16:creationId xmlns:a16="http://schemas.microsoft.com/office/drawing/2014/main" id="{88B3C950-2D1C-4BC6-B967-DDA48140026E}"/>
+              </a:ext>
+            </a:extLst>
+          </p:cNvPr>
+          <p:cNvSpPr>
+            <a:spLocks noGrp="1"/>
+          </p:cNvSpPr>
+          <p:nvPr>
+            <p:ph type="title"/>
+          </p:nvPr>
+        </p:nvSpPr>
+        <p:spPr>
+          <a:xfrm>
+            <a:off x="150920" y="365125"/>
+            <a:ext cx="11202880" cy="1325563"/>
+          </a:xfrm>
+        </p:spPr>
+        <p:txBody>
+          <a:bodyPr/>
+          <a:lstStyle/>
+          <a:p>
+            <a:r>
+              <a:rPr lang="en-US"/>
+              <a:t>Điều cuối cùng cần hiểu về nhà cung cấp thanh toán</a:t>
+            </a:r>
+          </a:p>
+        </p:txBody>
+      </p:sp>
+      <p:pic>
+        <p:nvPicPr>
+          <p:cNvPr id="4" name="Content Placeholder 3">
+            <a:extLst>
+              <a:ext uri="{FF2B5EF4-FFF2-40B4-BE49-F238E27FC236}">
+                <a16:creationId xmlns:a16="http://schemas.microsoft.com/office/drawing/2014/main" id="{E6D744E1-E59D-4D1E-8842-A720006B2A24}"/>
+              </a:ext>
+            </a:extLst>
+          </p:cNvPr>
+          <p:cNvPicPr>
+            <a:picLocks noGrp="1" noChangeAspect="1"/>
+          </p:cNvPicPr>
+          <p:nvPr>
+            <p:ph idx="1"/>
+          </p:nvPr>
+        </p:nvPicPr>
+        <p:blipFill>
+          <a:blip r:embed="rId2"/>
+          <a:stretch>
+            <a:fillRect/>
+          </a:stretch>
+        </p:blipFill>
+        <p:spPr>
+          <a:xfrm>
+            <a:off x="446887" y="1874157"/>
+            <a:ext cx="5649113" cy="809738"/>
+          </a:xfrm>
+          <a:prstGeom prst="rect">
+            <a:avLst/>
+          </a:prstGeom>
+        </p:spPr>
+      </p:pic>
+    </p:spTree>
+    <p:extLst>
+      <p:ext uri="{BB962C8B-B14F-4D97-AF65-F5344CB8AC3E}">
+        <p14:creationId xmlns:p14="http://schemas.microsoft.com/office/powerpoint/2010/main" val="846618686"/>
       </p:ext>
     </p:extLst>
   </p:cSld>
